--- a/Clase16/Presentación.pptx
+++ b/Clase16/Presentación.pptx
@@ -202,7 +202,7 @@
           <a:p>
             <a:fld id="{430AAACB-714D-4ED6-9BCD-E10DE1E326CF}" type="datetimeFigureOut">
               <a:rPr lang="es-CO" smtClean="0"/>
-              <a:t>22/05/2019</a:t>
+              <a:t>12/11/2019</a:t>
             </a:fld>
             <a:endParaRPr lang="es-CO"/>
           </a:p>
@@ -696,7 +696,7 @@
           <a:p>
             <a:fld id="{C214C790-AC43-4046-BAB7-879940BCF0AB}" type="datetimeFigureOut">
               <a:rPr lang="es-CO" smtClean="0"/>
-              <a:t>22/05/2019</a:t>
+              <a:t>12/11/2019</a:t>
             </a:fld>
             <a:endParaRPr lang="es-CO"/>
           </a:p>
@@ -904,7 +904,7 @@
           <a:p>
             <a:fld id="{C214C790-AC43-4046-BAB7-879940BCF0AB}" type="datetimeFigureOut">
               <a:rPr lang="es-CO" smtClean="0"/>
-              <a:t>22/05/2019</a:t>
+              <a:t>12/11/2019</a:t>
             </a:fld>
             <a:endParaRPr lang="es-CO"/>
           </a:p>
@@ -1160,7 +1160,7 @@
           <a:p>
             <a:fld id="{C214C790-AC43-4046-BAB7-879940BCF0AB}" type="datetimeFigureOut">
               <a:rPr lang="es-CO" smtClean="0"/>
-              <a:t>22/05/2019</a:t>
+              <a:t>12/11/2019</a:t>
             </a:fld>
             <a:endParaRPr lang="es-CO"/>
           </a:p>
@@ -1330,7 +1330,7 @@
           <a:p>
             <a:fld id="{C214C790-AC43-4046-BAB7-879940BCF0AB}" type="datetimeFigureOut">
               <a:rPr lang="es-CO" smtClean="0"/>
-              <a:t>22/05/2019</a:t>
+              <a:t>12/11/2019</a:t>
             </a:fld>
             <a:endParaRPr lang="es-CO"/>
           </a:p>
@@ -1673,7 +1673,7 @@
           <a:p>
             <a:fld id="{C214C790-AC43-4046-BAB7-879940BCF0AB}" type="datetimeFigureOut">
               <a:rPr lang="es-CO" smtClean="0"/>
-              <a:t>22/05/2019</a:t>
+              <a:t>12/11/2019</a:t>
             </a:fld>
             <a:endParaRPr lang="es-CO"/>
           </a:p>
@@ -1948,7 +1948,7 @@
           <a:p>
             <a:fld id="{C214C790-AC43-4046-BAB7-879940BCF0AB}" type="datetimeFigureOut">
               <a:rPr lang="es-CO" smtClean="0"/>
-              <a:t>22/05/2019</a:t>
+              <a:t>12/11/2019</a:t>
             </a:fld>
             <a:endParaRPr lang="es-CO"/>
           </a:p>
@@ -2327,7 +2327,7 @@
           <a:p>
             <a:fld id="{C214C790-AC43-4046-BAB7-879940BCF0AB}" type="datetimeFigureOut">
               <a:rPr lang="es-CO" smtClean="0"/>
-              <a:t>22/05/2019</a:t>
+              <a:t>12/11/2019</a:t>
             </a:fld>
             <a:endParaRPr lang="es-CO"/>
           </a:p>
@@ -2445,7 +2445,7 @@
           <a:p>
             <a:fld id="{C214C790-AC43-4046-BAB7-879940BCF0AB}" type="datetimeFigureOut">
               <a:rPr lang="es-CO" smtClean="0"/>
-              <a:t>22/05/2019</a:t>
+              <a:t>12/11/2019</a:t>
             </a:fld>
             <a:endParaRPr lang="es-CO"/>
           </a:p>
@@ -2616,7 +2616,7 @@
           <a:p>
             <a:fld id="{C214C790-AC43-4046-BAB7-879940BCF0AB}" type="datetimeFigureOut">
               <a:rPr lang="es-CO" smtClean="0"/>
-              <a:t>22/05/2019</a:t>
+              <a:t>12/11/2019</a:t>
             </a:fld>
             <a:endParaRPr lang="es-CO"/>
           </a:p>
@@ -2970,7 +2970,7 @@
           <a:p>
             <a:fld id="{C214C790-AC43-4046-BAB7-879940BCF0AB}" type="datetimeFigureOut">
               <a:rPr lang="es-CO" smtClean="0"/>
-              <a:t>22/05/2019</a:t>
+              <a:t>12/11/2019</a:t>
             </a:fld>
             <a:endParaRPr lang="es-CO"/>
           </a:p>
@@ -3347,7 +3347,7 @@
           <a:p>
             <a:fld id="{C214C790-AC43-4046-BAB7-879940BCF0AB}" type="datetimeFigureOut">
               <a:rPr lang="es-CO" smtClean="0"/>
-              <a:t>22/05/2019</a:t>
+              <a:t>12/11/2019</a:t>
             </a:fld>
             <a:endParaRPr lang="es-CO"/>
           </a:p>
@@ -3634,7 +3634,7 @@
           <a:p>
             <a:fld id="{C214C790-AC43-4046-BAB7-879940BCF0AB}" type="datetimeFigureOut">
               <a:rPr lang="es-CO" smtClean="0"/>
-              <a:t>22/05/2019</a:t>
+              <a:t>12/11/2019</a:t>
             </a:fld>
             <a:endParaRPr lang="es-CO"/>
           </a:p>
@@ -4174,12 +4174,12 @@
           <a:lstStyle/>
           <a:p>
             <a:r>
-              <a:rPr lang="es-ES" dirty="0" smtClean="0"/>
+              <a:rPr lang="es-ES" smtClean="0"/>
               <a:t>Semana </a:t>
             </a:r>
             <a:r>
-              <a:rPr lang="es-ES" dirty="0" smtClean="0"/>
-              <a:t>17</a:t>
+              <a:rPr lang="es-ES" smtClean="0"/>
+              <a:t>16</a:t>
             </a:r>
             <a:endParaRPr lang="es-CO" dirty="0"/>
           </a:p>
@@ -4202,8 +4202,9 @@
           <a:p>
             <a:r>
               <a:rPr lang="es-ES" dirty="0" smtClean="0"/>
-              <a:t>ARCHIVOS Y SERVICIOS REST</a:t>
-            </a:r>
+              <a:t>WEBSOCKETS</a:t>
+            </a:r>
+            <a:endParaRPr lang="es-ES" dirty="0" smtClean="0"/>
           </a:p>
         </p:txBody>
       </p:sp>
